--- a/卒研_R_ver.pptx
+++ b/卒研_R_ver.pptx
@@ -5,13 +5,17 @@
     <p:sldMasterId id="2147483648" r:id="rId1"/>
   </p:sldMasterIdLst>
   <p:notesMasterIdLst>
-    <p:notesMasterId r:id="rId6"/>
+    <p:notesMasterId r:id="rId10"/>
   </p:notesMasterIdLst>
   <p:sldIdLst>
     <p:sldId id="256" r:id="rId2"/>
     <p:sldId id="257" r:id="rId3"/>
     <p:sldId id="258" r:id="rId4"/>
     <p:sldId id="259" r:id="rId5"/>
+    <p:sldId id="262" r:id="rId6"/>
+    <p:sldId id="263" r:id="rId7"/>
+    <p:sldId id="260" r:id="rId8"/>
+    <p:sldId id="261" r:id="rId9"/>
   </p:sldIdLst>
   <p:sldSz cx="12192000" cy="6858000"/>
   <p:notesSz cx="6858000" cy="9144000"/>
@@ -119,6 +123,10 @@
             <p14:sldId id="257"/>
             <p14:sldId id="258"/>
             <p14:sldId id="259"/>
+            <p14:sldId id="262"/>
+            <p14:sldId id="263"/>
+            <p14:sldId id="260"/>
+            <p14:sldId id="261"/>
           </p14:sldIdLst>
         </p14:section>
       </p14:sectionLst>
@@ -4585,6 +4593,541 @@
     <p:extLst>
       <p:ext uri="{BB962C8B-B14F-4D97-AF65-F5344CB8AC3E}">
         <p14:creationId xmlns:p14="http://schemas.microsoft.com/office/powerpoint/2010/main" val="958388404"/>
+      </p:ext>
+    </p:extLst>
+  </p:cSld>
+  <p:clrMapOvr>
+    <a:masterClrMapping/>
+  </p:clrMapOvr>
+  <p:timing>
+    <p:tnLst>
+      <p:par>
+        <p:cTn id="1" dur="indefinite" restart="never" nodeType="tmRoot"/>
+      </p:par>
+    </p:tnLst>
+  </p:timing>
+</p:sld>
+</file>
+
+<file path=ppt/slides/slide5.xml><?xml version="1.0" encoding="utf-8"?>
+<p:sld xmlns:a="http://schemas.openxmlformats.org/drawingml/2006/main" xmlns:r="http://schemas.openxmlformats.org/officeDocument/2006/relationships" xmlns:p="http://schemas.openxmlformats.org/presentationml/2006/main">
+  <p:cSld>
+    <p:spTree>
+      <p:nvGrpSpPr>
+        <p:cNvPr id="1" name=""/>
+        <p:cNvGrpSpPr/>
+        <p:nvPr/>
+      </p:nvGrpSpPr>
+      <p:grpSpPr>
+        <a:xfrm>
+          <a:off x="0" y="0"/>
+          <a:ext cx="0" cy="0"/>
+          <a:chOff x="0" y="0"/>
+          <a:chExt cx="0" cy="0"/>
+        </a:xfrm>
+      </p:grpSpPr>
+      <p:sp>
+        <p:nvSpPr>
+          <p:cNvPr id="2" name="タイトル 1"/>
+          <p:cNvSpPr>
+            <a:spLocks noGrp="1"/>
+          </p:cNvSpPr>
+          <p:nvPr>
+            <p:ph type="title"/>
+          </p:nvPr>
+        </p:nvSpPr>
+        <p:spPr/>
+        <p:txBody>
+          <a:bodyPr/>
+          <a:lstStyle/>
+          <a:p>
+            <a:r>
+              <a:rPr kumimoji="1" lang="en-US" altLang="ja-JP" dirty="0" smtClean="0"/>
+              <a:t>Moodle</a:t>
+            </a:r>
+            <a:r>
+              <a:rPr kumimoji="1" lang="ja-JP" altLang="en-US" dirty="0" smtClean="0"/>
+              <a:t>からの起動</a:t>
+            </a:r>
+            <a:endParaRPr kumimoji="1" lang="ja-JP" altLang="en-US" dirty="0"/>
+          </a:p>
+        </p:txBody>
+      </p:sp>
+      <p:sp>
+        <p:nvSpPr>
+          <p:cNvPr id="3" name="コンテンツ プレースホルダー 2"/>
+          <p:cNvSpPr>
+            <a:spLocks noGrp="1"/>
+          </p:cNvSpPr>
+          <p:nvPr>
+            <p:ph idx="1"/>
+          </p:nvPr>
+        </p:nvSpPr>
+        <p:spPr/>
+        <p:txBody>
+          <a:bodyPr/>
+          <a:lstStyle/>
+          <a:p>
+            <a:endParaRPr kumimoji="1" lang="ja-JP" altLang="en-US" dirty="0"/>
+          </a:p>
+        </p:txBody>
+      </p:sp>
+      <p:sp>
+        <p:nvSpPr>
+          <p:cNvPr id="4" name="スライド番号プレースホルダー 3"/>
+          <p:cNvSpPr>
+            <a:spLocks noGrp="1"/>
+          </p:cNvSpPr>
+          <p:nvPr>
+            <p:ph type="sldNum" sz="quarter" idx="12"/>
+          </p:nvPr>
+        </p:nvSpPr>
+        <p:spPr/>
+        <p:txBody>
+          <a:bodyPr/>
+          <a:lstStyle/>
+          <a:p>
+            <a:pPr algn="ctr"/>
+            <a:fld id="{CA23F248-F353-4F36-A746-B1953A38AE2D}" type="slidenum">
+              <a:rPr lang="ja-JP" altLang="en-US" smtClean="0"/>
+              <a:pPr algn="ctr"/>
+              <a:t>5</a:t>
+            </a:fld>
+            <a:endParaRPr lang="ja-JP" altLang="en-US" dirty="0"/>
+          </a:p>
+        </p:txBody>
+      </p:sp>
+    </p:spTree>
+    <p:extLst>
+      <p:ext uri="{BB962C8B-B14F-4D97-AF65-F5344CB8AC3E}">
+        <p14:creationId xmlns:p14="http://schemas.microsoft.com/office/powerpoint/2010/main" val="1472458313"/>
+      </p:ext>
+    </p:extLst>
+  </p:cSld>
+  <p:clrMapOvr>
+    <a:masterClrMapping/>
+  </p:clrMapOvr>
+  <p:timing>
+    <p:tnLst>
+      <p:par>
+        <p:cTn id="1" dur="indefinite" restart="never" nodeType="tmRoot"/>
+      </p:par>
+    </p:tnLst>
+  </p:timing>
+</p:sld>
+</file>
+
+<file path=ppt/slides/slide6.xml><?xml version="1.0" encoding="utf-8"?>
+<p:sld xmlns:a="http://schemas.openxmlformats.org/drawingml/2006/main" xmlns:r="http://schemas.openxmlformats.org/officeDocument/2006/relationships" xmlns:p="http://schemas.openxmlformats.org/presentationml/2006/main">
+  <p:cSld>
+    <p:spTree>
+      <p:nvGrpSpPr>
+        <p:cNvPr id="1" name=""/>
+        <p:cNvGrpSpPr/>
+        <p:nvPr/>
+      </p:nvGrpSpPr>
+      <p:grpSpPr>
+        <a:xfrm>
+          <a:off x="0" y="0"/>
+          <a:ext cx="0" cy="0"/>
+          <a:chOff x="0" y="0"/>
+          <a:chExt cx="0" cy="0"/>
+        </a:xfrm>
+      </p:grpSpPr>
+      <p:sp>
+        <p:nvSpPr>
+          <p:cNvPr id="2" name="タイトル 1"/>
+          <p:cNvSpPr>
+            <a:spLocks noGrp="1"/>
+          </p:cNvSpPr>
+          <p:nvPr>
+            <p:ph type="title"/>
+          </p:nvPr>
+        </p:nvSpPr>
+        <p:spPr/>
+        <p:txBody>
+          <a:bodyPr/>
+          <a:lstStyle/>
+          <a:p>
+            <a:r>
+              <a:rPr kumimoji="1" lang="en-US" altLang="ja-JP" dirty="0" smtClean="0"/>
+              <a:t>LTI</a:t>
+            </a:r>
+            <a:r>
+              <a:rPr kumimoji="1" lang="ja-JP" altLang="en-US" dirty="0" smtClean="0"/>
+              <a:t>使用方法</a:t>
+            </a:r>
+            <a:endParaRPr kumimoji="1" lang="ja-JP" altLang="en-US" dirty="0"/>
+          </a:p>
+        </p:txBody>
+      </p:sp>
+      <p:sp>
+        <p:nvSpPr>
+          <p:cNvPr id="3" name="コンテンツ プレースホルダー 2"/>
+          <p:cNvSpPr>
+            <a:spLocks noGrp="1"/>
+          </p:cNvSpPr>
+          <p:nvPr>
+            <p:ph idx="1"/>
+          </p:nvPr>
+        </p:nvSpPr>
+        <p:spPr/>
+        <p:txBody>
+          <a:bodyPr/>
+          <a:lstStyle/>
+          <a:p>
+            <a:r>
+              <a:rPr kumimoji="1" lang="ja-JP" altLang="en-US" dirty="0" smtClean="0"/>
+              <a:t>各</a:t>
+            </a:r>
+            <a:r>
+              <a:rPr kumimoji="1" lang="en-US" altLang="ja-JP" dirty="0" smtClean="0"/>
+              <a:t>LMS</a:t>
+            </a:r>
+            <a:r>
+              <a:rPr kumimoji="1" lang="ja-JP" altLang="en-US" dirty="0" smtClean="0"/>
+              <a:t>から外部ツールの設定を行う</a:t>
+            </a:r>
+            <a:r>
+              <a:rPr kumimoji="1" lang="en-US" altLang="ja-JP" dirty="0" smtClean="0"/>
+              <a:t/>
+            </a:r>
+            <a:br>
+              <a:rPr kumimoji="1" lang="en-US" altLang="ja-JP" dirty="0" smtClean="0"/>
+            </a:br>
+            <a:r>
+              <a:rPr kumimoji="1" lang="ja-JP" altLang="en-US" dirty="0" smtClean="0"/>
+              <a:t>・</a:t>
+            </a:r>
+            <a:r>
+              <a:rPr lang="ja-JP" altLang="en-US" dirty="0"/>
+              <a:t>ツール名、ツール </a:t>
+            </a:r>
+            <a:r>
+              <a:rPr lang="en-US" altLang="ja-JP" dirty="0"/>
+              <a:t>URL</a:t>
+            </a:r>
+            <a:r>
+              <a:rPr lang="ja-JP" altLang="en-US" dirty="0"/>
+              <a:t>、コンシュー マキー、秘密鍵の設定 </a:t>
+            </a:r>
+            <a:r>
+              <a:rPr lang="en-US" altLang="ja-JP" dirty="0" smtClean="0"/>
+              <a:t/>
+            </a:r>
+            <a:br>
+              <a:rPr lang="en-US" altLang="ja-JP" dirty="0" smtClean="0"/>
+            </a:br>
+            <a:r>
+              <a:rPr lang="ja-JP" altLang="en-US" dirty="0" smtClean="0"/>
+              <a:t>・これらの設定を得て、</a:t>
+            </a:r>
+            <a:r>
+              <a:rPr lang="en-US" altLang="ja-JP" dirty="0" smtClean="0"/>
+              <a:t>LTI</a:t>
+            </a:r>
+            <a:r>
+              <a:rPr lang="ja-JP" altLang="en-US" smtClean="0"/>
+              <a:t>に準拠したソフトが起動</a:t>
+            </a:r>
+            <a:endParaRPr lang="ja-JP" altLang="en-US"/>
+          </a:p>
+        </p:txBody>
+      </p:sp>
+      <p:sp>
+        <p:nvSpPr>
+          <p:cNvPr id="4" name="スライド番号プレースホルダー 3"/>
+          <p:cNvSpPr>
+            <a:spLocks noGrp="1"/>
+          </p:cNvSpPr>
+          <p:nvPr>
+            <p:ph type="sldNum" sz="quarter" idx="12"/>
+          </p:nvPr>
+        </p:nvSpPr>
+        <p:spPr/>
+        <p:txBody>
+          <a:bodyPr/>
+          <a:lstStyle/>
+          <a:p>
+            <a:pPr algn="ctr"/>
+            <a:fld id="{CA23F248-F353-4F36-A746-B1953A38AE2D}" type="slidenum">
+              <a:rPr lang="ja-JP" altLang="en-US" smtClean="0"/>
+              <a:pPr algn="ctr"/>
+              <a:t>6</a:t>
+            </a:fld>
+            <a:endParaRPr lang="ja-JP" altLang="en-US" dirty="0"/>
+          </a:p>
+        </p:txBody>
+      </p:sp>
+    </p:spTree>
+    <p:extLst>
+      <p:ext uri="{BB962C8B-B14F-4D97-AF65-F5344CB8AC3E}">
+        <p14:creationId xmlns:p14="http://schemas.microsoft.com/office/powerpoint/2010/main" val="140192450"/>
+      </p:ext>
+    </p:extLst>
+  </p:cSld>
+  <p:clrMapOvr>
+    <a:masterClrMapping/>
+  </p:clrMapOvr>
+  <p:timing>
+    <p:tnLst>
+      <p:par>
+        <p:cTn id="1" dur="indefinite" restart="never" nodeType="tmRoot"/>
+      </p:par>
+    </p:tnLst>
+  </p:timing>
+</p:sld>
+</file>
+
+<file path=ppt/slides/slide7.xml><?xml version="1.0" encoding="utf-8"?>
+<p:sld xmlns:a="http://schemas.openxmlformats.org/drawingml/2006/main" xmlns:r="http://schemas.openxmlformats.org/officeDocument/2006/relationships" xmlns:p="http://schemas.openxmlformats.org/presentationml/2006/main">
+  <p:cSld>
+    <p:spTree>
+      <p:nvGrpSpPr>
+        <p:cNvPr id="1" name=""/>
+        <p:cNvGrpSpPr/>
+        <p:nvPr/>
+      </p:nvGrpSpPr>
+      <p:grpSpPr>
+        <a:xfrm>
+          <a:off x="0" y="0"/>
+          <a:ext cx="0" cy="0"/>
+          <a:chOff x="0" y="0"/>
+          <a:chExt cx="0" cy="0"/>
+        </a:xfrm>
+      </p:grpSpPr>
+      <p:sp>
+        <p:nvSpPr>
+          <p:cNvPr id="2" name="タイトル 1"/>
+          <p:cNvSpPr>
+            <a:spLocks noGrp="1"/>
+          </p:cNvSpPr>
+          <p:nvPr>
+            <p:ph type="title"/>
+          </p:nvPr>
+        </p:nvSpPr>
+        <p:spPr/>
+        <p:txBody>
+          <a:bodyPr/>
+          <a:lstStyle/>
+          <a:p>
+            <a:r>
+              <a:rPr lang="ja-JP" altLang="en-US" dirty="0" smtClean="0"/>
+              <a:t>成績反映</a:t>
+            </a:r>
+            <a:endParaRPr kumimoji="1" lang="ja-JP" altLang="en-US" dirty="0"/>
+          </a:p>
+        </p:txBody>
+      </p:sp>
+      <p:sp>
+        <p:nvSpPr>
+          <p:cNvPr id="3" name="コンテンツ プレースホルダー 2"/>
+          <p:cNvSpPr>
+            <a:spLocks noGrp="1"/>
+          </p:cNvSpPr>
+          <p:nvPr>
+            <p:ph idx="1"/>
+          </p:nvPr>
+        </p:nvSpPr>
+        <p:spPr/>
+        <p:txBody>
+          <a:bodyPr/>
+          <a:lstStyle/>
+          <a:p>
+            <a:endParaRPr kumimoji="1" lang="ja-JP" altLang="en-US" dirty="0"/>
+          </a:p>
+        </p:txBody>
+      </p:sp>
+      <p:sp>
+        <p:nvSpPr>
+          <p:cNvPr id="4" name="スライド番号プレースホルダー 3"/>
+          <p:cNvSpPr>
+            <a:spLocks noGrp="1"/>
+          </p:cNvSpPr>
+          <p:nvPr>
+            <p:ph type="sldNum" sz="quarter" idx="12"/>
+          </p:nvPr>
+        </p:nvSpPr>
+        <p:spPr/>
+        <p:txBody>
+          <a:bodyPr/>
+          <a:lstStyle/>
+          <a:p>
+            <a:pPr algn="ctr"/>
+            <a:fld id="{CA23F248-F353-4F36-A746-B1953A38AE2D}" type="slidenum">
+              <a:rPr lang="ja-JP" altLang="en-US" smtClean="0"/>
+              <a:pPr algn="ctr"/>
+              <a:t>7</a:t>
+            </a:fld>
+            <a:endParaRPr lang="ja-JP" altLang="en-US" dirty="0"/>
+          </a:p>
+        </p:txBody>
+      </p:sp>
+    </p:spTree>
+    <p:extLst>
+      <p:ext uri="{BB962C8B-B14F-4D97-AF65-F5344CB8AC3E}">
+        <p14:creationId xmlns:p14="http://schemas.microsoft.com/office/powerpoint/2010/main" val="570012555"/>
+      </p:ext>
+    </p:extLst>
+  </p:cSld>
+  <p:clrMapOvr>
+    <a:masterClrMapping/>
+  </p:clrMapOvr>
+  <p:timing>
+    <p:tnLst>
+      <p:par>
+        <p:cTn id="1" dur="indefinite" restart="never" nodeType="tmRoot"/>
+      </p:par>
+    </p:tnLst>
+  </p:timing>
+</p:sld>
+</file>
+
+<file path=ppt/slides/slide8.xml><?xml version="1.0" encoding="utf-8"?>
+<p:sld xmlns:a="http://schemas.openxmlformats.org/drawingml/2006/main" xmlns:r="http://schemas.openxmlformats.org/officeDocument/2006/relationships" xmlns:p="http://schemas.openxmlformats.org/presentationml/2006/main">
+  <p:cSld>
+    <p:spTree>
+      <p:nvGrpSpPr>
+        <p:cNvPr id="1" name=""/>
+        <p:cNvGrpSpPr/>
+        <p:nvPr/>
+      </p:nvGrpSpPr>
+      <p:grpSpPr>
+        <a:xfrm>
+          <a:off x="0" y="0"/>
+          <a:ext cx="0" cy="0"/>
+          <a:chOff x="0" y="0"/>
+          <a:chExt cx="0" cy="0"/>
+        </a:xfrm>
+      </p:grpSpPr>
+      <p:sp>
+        <p:nvSpPr>
+          <p:cNvPr id="2" name="タイトル 1"/>
+          <p:cNvSpPr>
+            <a:spLocks noGrp="1"/>
+          </p:cNvSpPr>
+          <p:nvPr>
+            <p:ph type="title"/>
+          </p:nvPr>
+        </p:nvSpPr>
+        <p:spPr/>
+        <p:txBody>
+          <a:bodyPr/>
+          <a:lstStyle/>
+          <a:p>
+            <a:r>
+              <a:rPr kumimoji="1" lang="en-US" altLang="ja-JP" dirty="0" smtClean="0"/>
+              <a:t>OAuth</a:t>
+            </a:r>
+            <a:endParaRPr kumimoji="1" lang="ja-JP" altLang="en-US" dirty="0"/>
+          </a:p>
+        </p:txBody>
+      </p:sp>
+      <p:sp>
+        <p:nvSpPr>
+          <p:cNvPr id="3" name="コンテンツ プレースホルダー 2"/>
+          <p:cNvSpPr>
+            <a:spLocks noGrp="1"/>
+          </p:cNvSpPr>
+          <p:nvPr>
+            <p:ph idx="1"/>
+          </p:nvPr>
+        </p:nvSpPr>
+        <p:spPr/>
+        <p:txBody>
+          <a:bodyPr/>
+          <a:lstStyle/>
+          <a:p>
+            <a:r>
+              <a:rPr lang="ja-JP" altLang="en-US" dirty="0"/>
+              <a:t>「認可情報の委譲」のための</a:t>
+            </a:r>
+            <a:r>
+              <a:rPr lang="ja-JP" altLang="en-US" dirty="0" smtClean="0"/>
+              <a:t>仕様</a:t>
+            </a:r>
+            <a:r>
+              <a:rPr lang="en-US" altLang="ja-JP" dirty="0"/>
+              <a:t/>
+            </a:r>
+            <a:br>
+              <a:rPr lang="en-US" altLang="ja-JP" dirty="0"/>
+            </a:br>
+            <a:r>
+              <a:rPr lang="ja-JP" altLang="en-US" dirty="0" smtClean="0"/>
+              <a:t>権限の譲渡を行う</a:t>
+            </a:r>
+            <a:r>
+              <a:rPr lang="en-US" altLang="ja-JP" dirty="0" smtClean="0"/>
+              <a:t/>
+            </a:r>
+            <a:br>
+              <a:rPr lang="en-US" altLang="ja-JP" dirty="0" smtClean="0"/>
+            </a:br>
+            <a:r>
+              <a:rPr lang="ja-JP" altLang="en-US" dirty="0" smtClean="0"/>
+              <a:t>↓</a:t>
+            </a:r>
+            <a:r>
+              <a:rPr lang="en-US" altLang="ja-JP" dirty="0"/>
+              <a:t/>
+            </a:r>
+            <a:br>
+              <a:rPr lang="en-US" altLang="ja-JP" dirty="0"/>
+            </a:br>
+            <a:r>
+              <a:rPr lang="ja-JP" altLang="en-US" dirty="0" smtClean="0"/>
+              <a:t>ユーザー</a:t>
+            </a:r>
+            <a:r>
+              <a:rPr lang="en-US" altLang="ja-JP" dirty="0" smtClean="0"/>
+              <a:t>ID</a:t>
+            </a:r>
+            <a:r>
+              <a:rPr lang="ja-JP" altLang="en-US" dirty="0" smtClean="0"/>
+              <a:t>や</a:t>
+            </a:r>
+            <a:r>
+              <a:rPr lang="en-US" altLang="ja-JP" dirty="0" smtClean="0"/>
+              <a:t>PW</a:t>
+            </a:r>
+            <a:r>
+              <a:rPr lang="ja-JP" altLang="en-US" dirty="0" smtClean="0"/>
+              <a:t>などを送らないため、セキュリティの面でも安心</a:t>
+            </a:r>
+            <a:endParaRPr lang="en-US" altLang="ja-JP" dirty="0" smtClean="0"/>
+          </a:p>
+        </p:txBody>
+      </p:sp>
+      <p:sp>
+        <p:nvSpPr>
+          <p:cNvPr id="4" name="スライド番号プレースホルダー 3"/>
+          <p:cNvSpPr>
+            <a:spLocks noGrp="1"/>
+          </p:cNvSpPr>
+          <p:nvPr>
+            <p:ph type="sldNum" sz="quarter" idx="12"/>
+          </p:nvPr>
+        </p:nvSpPr>
+        <p:spPr/>
+        <p:txBody>
+          <a:bodyPr/>
+          <a:lstStyle/>
+          <a:p>
+            <a:pPr algn="ctr"/>
+            <a:fld id="{CA23F248-F353-4F36-A746-B1953A38AE2D}" type="slidenum">
+              <a:rPr lang="ja-JP" altLang="en-US" smtClean="0"/>
+              <a:pPr algn="ctr"/>
+              <a:t>8</a:t>
+            </a:fld>
+            <a:endParaRPr lang="ja-JP" altLang="en-US" dirty="0"/>
+          </a:p>
+        </p:txBody>
+      </p:sp>
+    </p:spTree>
+    <p:extLst>
+      <p:ext uri="{BB962C8B-B14F-4D97-AF65-F5344CB8AC3E}">
+        <p14:creationId xmlns:p14="http://schemas.microsoft.com/office/powerpoint/2010/main" val="36732986"/>
       </p:ext>
     </p:extLst>
   </p:cSld>

--- a/卒研_R_ver.pptx
+++ b/卒研_R_ver.pptx
@@ -777,6 +777,13 @@
   <p:clrMapOvr>
     <a:masterClrMapping/>
   </p:clrMapOvr>
+  <p:timing>
+    <p:tnLst>
+      <p:par>
+        <p:cTn id="1" dur="indefinite" restart="never" nodeType="tmRoot"/>
+      </p:par>
+    </p:tnLst>
+  </p:timing>
 </p:sldLayout>
 </file>
 
@@ -4216,7 +4223,7 @@
             </a:br>
             <a:r>
               <a:rPr lang="ja-JP" altLang="en-US" dirty="0" smtClean="0"/>
-              <a:t>標準化した規格のことである。</a:t>
+              <a:t>標準化した規格のことである</a:t>
             </a:r>
             <a:endParaRPr lang="en-US" altLang="ja-JP" dirty="0" smtClean="0"/>
           </a:p>
@@ -4238,7 +4245,11 @@
             </a:r>
             <a:r>
               <a:rPr lang="ja-JP" altLang="en-US" dirty="0" smtClean="0"/>
-              <a:t>間での学習ツールの相互運用が可能になった。</a:t>
+              <a:t>間での学習ツールの相互運用が可能</a:t>
+            </a:r>
+            <a:r>
+              <a:rPr lang="ja-JP" altLang="en-US" smtClean="0"/>
+              <a:t>になった</a:t>
             </a:r>
             <a:endParaRPr lang="en-US" altLang="ja-JP" dirty="0" smtClean="0"/>
           </a:p>
@@ -4827,10 +4838,10 @@
               <a:t>LTI</a:t>
             </a:r>
             <a:r>
-              <a:rPr lang="ja-JP" altLang="en-US" smtClean="0"/>
+              <a:rPr lang="ja-JP" altLang="en-US" dirty="0" smtClean="0"/>
               <a:t>に準拠したソフトが起動</a:t>
             </a:r>
-            <a:endParaRPr lang="ja-JP" altLang="en-US"/>
+            <a:endParaRPr lang="ja-JP" altLang="en-US" dirty="0"/>
           </a:p>
         </p:txBody>
       </p:sp>
